--- a/course_resources/slides/Used/005_Pandas_Datasheet.pptx
+++ b/course_resources/slides/Used/005_Pandas_Datasheet.pptx
@@ -5,19 +5,20 @@
     <p:sldMasterId id="2147483660" r:id="rId1"/>
   </p:sldMasterIdLst>
   <p:sldIdLst>
-    <p:sldId id="256" r:id="rId2"/>
-    <p:sldId id="257" r:id="rId3"/>
-    <p:sldId id="262" r:id="rId4"/>
-    <p:sldId id="263" r:id="rId5"/>
-    <p:sldId id="270" r:id="rId6"/>
-    <p:sldId id="264" r:id="rId7"/>
-    <p:sldId id="269" r:id="rId8"/>
-    <p:sldId id="268" r:id="rId9"/>
-    <p:sldId id="271" r:id="rId10"/>
-    <p:sldId id="274" r:id="rId11"/>
-    <p:sldId id="265" r:id="rId12"/>
-    <p:sldId id="273" r:id="rId13"/>
-    <p:sldId id="272" r:id="rId14"/>
+    <p:sldId id="275" r:id="rId2"/>
+    <p:sldId id="256" r:id="rId3"/>
+    <p:sldId id="257" r:id="rId4"/>
+    <p:sldId id="262" r:id="rId5"/>
+    <p:sldId id="263" r:id="rId6"/>
+    <p:sldId id="270" r:id="rId7"/>
+    <p:sldId id="264" r:id="rId8"/>
+    <p:sldId id="269" r:id="rId9"/>
+    <p:sldId id="268" r:id="rId10"/>
+    <p:sldId id="271" r:id="rId11"/>
+    <p:sldId id="274" r:id="rId12"/>
+    <p:sldId id="265" r:id="rId13"/>
+    <p:sldId id="273" r:id="rId14"/>
+    <p:sldId id="272" r:id="rId15"/>
   </p:sldIdLst>
   <p:sldSz cx="12192000" cy="6858000"/>
   <p:notesSz cx="6858000" cy="9144000"/>
@@ -3637,7 +3638,7 @@
           <p:cNvPr id="2" name="Title 1">
             <a:extLst>
               <a:ext uri="{FF2B5EF4-FFF2-40B4-BE49-F238E27FC236}">
-                <a16:creationId xmlns:a16="http://schemas.microsoft.com/office/drawing/2014/main" id="{B4EF75E9-37EB-6D59-AEB9-2C14ED9BE8A8}"/>
+                <a16:creationId xmlns:a16="http://schemas.microsoft.com/office/drawing/2014/main" id="{BBD5778E-4791-BB55-8E4D-886A9125ADDB}"/>
               </a:ext>
             </a:extLst>
           </p:cNvPr>
@@ -3645,7 +3646,7 @@
             <a:spLocks noGrp="1"/>
           </p:cNvSpPr>
           <p:nvPr>
-            <p:ph type="ctrTitle"/>
+            <p:ph type="title"/>
           </p:nvPr>
         </p:nvSpPr>
         <p:spPr/>
@@ -3653,19 +3654,16 @@
           <a:bodyPr/>
           <a:lstStyle/>
           <a:p>
-            <a:r>
-              <a:rPr lang="en-US" dirty="0"/>
-              <a:t>Datasheets</a:t>
-            </a:r>
-          </a:p>
-        </p:txBody>
-      </p:sp>
-      <p:sp>
-        <p:nvSpPr>
-          <p:cNvPr id="3" name="Subtitle 2">
+            <a:endParaRPr lang="en-US" dirty="0"/>
+          </a:p>
+        </p:txBody>
+      </p:sp>
+      <p:sp>
+        <p:nvSpPr>
+          <p:cNvPr id="3" name="Content Placeholder 2">
             <a:extLst>
               <a:ext uri="{FF2B5EF4-FFF2-40B4-BE49-F238E27FC236}">
-                <a16:creationId xmlns:a16="http://schemas.microsoft.com/office/drawing/2014/main" id="{2DE41AF2-25BC-AD0E-1E44-54EEC6D208E7}"/>
+                <a16:creationId xmlns:a16="http://schemas.microsoft.com/office/drawing/2014/main" id="{C7D7E82A-DE43-5EF8-051C-C37AE505DE61}"/>
               </a:ext>
             </a:extLst>
           </p:cNvPr>
@@ -3673,7 +3671,7 @@
             <a:spLocks noGrp="1"/>
           </p:cNvSpPr>
           <p:nvPr>
-            <p:ph type="subTitle" idx="1"/>
+            <p:ph idx="1"/>
           </p:nvPr>
         </p:nvSpPr>
         <p:spPr/>
@@ -3681,14 +3679,49 @@
           <a:bodyPr/>
           <a:lstStyle/>
           <a:p>
-            <a:endParaRPr lang="en-US"/>
+            <a:r>
+              <a:rPr lang="en-US" dirty="0"/>
+              <a:t>Today:</a:t>
+            </a:r>
+          </a:p>
+          <a:p>
+            <a:pPr lvl="1"/>
+            <a:r>
+              <a:rPr lang="en-US" dirty="0"/>
+              <a:t>Datasheets and data shapes. </a:t>
+            </a:r>
+          </a:p>
+          <a:p>
+            <a:pPr lvl="1"/>
+            <a:r>
+              <a:rPr lang="en-US" dirty="0"/>
+              <a:t>Pandas and manipulating data. </a:t>
+            </a:r>
+          </a:p>
+          <a:p>
+            <a:pPr lvl="1"/>
+            <a:r>
+              <a:rPr lang="en-US" dirty="0"/>
+              <a:t>Simple concepts, moderately tricky code, important for the future. </a:t>
+            </a:r>
+          </a:p>
+          <a:p>
+            <a:pPr lvl="1"/>
+            <a:r>
+              <a:rPr lang="en-US" dirty="0"/>
+              <a:t>Slicing </a:t>
+            </a:r>
+            <a:r>
+              <a:rPr lang="en-US"/>
+              <a:t>and dicing data. </a:t>
+            </a:r>
           </a:p>
         </p:txBody>
       </p:sp>
     </p:spTree>
     <p:extLst>
       <p:ext uri="{BB962C8B-B14F-4D97-AF65-F5344CB8AC3E}">
-        <p14:creationId xmlns:p14="http://schemas.microsoft.com/office/powerpoint/2010/main" val="4147476618"/>
+        <p14:creationId xmlns:p14="http://schemas.microsoft.com/office/powerpoint/2010/main" val="2081576503"/>
       </p:ext>
     </p:extLst>
   </p:cSld>
@@ -3720,7 +3753,7 @@
           <p:cNvPr id="2" name="Title 1">
             <a:extLst>
               <a:ext uri="{FF2B5EF4-FFF2-40B4-BE49-F238E27FC236}">
-                <a16:creationId xmlns:a16="http://schemas.microsoft.com/office/drawing/2014/main" id="{5CF74E0F-5E00-15A5-69D8-30E87B47E3F7}"/>
+                <a16:creationId xmlns:a16="http://schemas.microsoft.com/office/drawing/2014/main" id="{46CD926D-6421-F3F5-B872-B0F904C93F39}"/>
               </a:ext>
             </a:extLst>
           </p:cNvPr>
@@ -3738,7 +3771,7 @@
           <a:p>
             <a:r>
               <a:rPr lang="en-US" dirty="0"/>
-              <a:t>Slice and Dice the Data</a:t>
+              <a:t>Pandas</a:t>
             </a:r>
           </a:p>
         </p:txBody>
@@ -3748,7 +3781,7 @@
           <p:cNvPr id="3" name="Content Placeholder 2">
             <a:extLst>
               <a:ext uri="{FF2B5EF4-FFF2-40B4-BE49-F238E27FC236}">
-                <a16:creationId xmlns:a16="http://schemas.microsoft.com/office/drawing/2014/main" id="{FBF2C771-BCFF-0BCA-C201-EA2B19075FDA}"/>
+                <a16:creationId xmlns:a16="http://schemas.microsoft.com/office/drawing/2014/main" id="{EFAFBAD8-A2A1-0A27-761A-13610C718141}"/>
               </a:ext>
             </a:extLst>
           </p:cNvPr>
@@ -3762,77 +3795,91 @@
         <p:spPr>
           <a:xfrm>
             <a:off x="1451579" y="2015732"/>
-            <a:ext cx="9603275" cy="4037749"/>
-          </a:xfrm>
-        </p:spPr>
-        <p:txBody>
-          <a:bodyPr/>
-          <a:lstStyle/>
-          <a:p>
-            <a:r>
-              <a:rPr lang="en-US" dirty="0"/>
-              <a:t>One useful thing about </a:t>
+            <a:ext cx="7000271" cy="4037749"/>
+          </a:xfrm>
+        </p:spPr>
+        <p:txBody>
+          <a:bodyPr/>
+          <a:lstStyle/>
+          <a:p>
+            <a:r>
+              <a:rPr lang="en-US" dirty="0"/>
+              <a:t>Pandas is a library that provides a </a:t>
             </a:r>
             <a:r>
               <a:rPr lang="en-US" dirty="0" err="1"/>
-              <a:t>dataframes</a:t>
-            </a:r>
-            <a:r>
-              <a:rPr lang="en-US" dirty="0"/>
-              <a:t> is that they make it easy to “slice” data. </a:t>
-            </a:r>
-          </a:p>
-          <a:p>
-            <a:r>
-              <a:rPr lang="en-US" dirty="0"/>
-              <a:t>In ML, we commonly need to slice “vertically”, or separate a column. </a:t>
-            </a:r>
-          </a:p>
-          <a:p>
-            <a:pPr lvl="1"/>
-            <a:r>
-              <a:rPr lang="en-US" dirty="0"/>
-              <a:t>E.g. separate the column that we want to predict from the inputs. </a:t>
-            </a:r>
-          </a:p>
-          <a:p>
-            <a:r>
-              <a:rPr lang="en-US" dirty="0"/>
-              <a:t>We can also slice ”horizontally”, or create groupings or samples. </a:t>
-            </a:r>
-          </a:p>
-          <a:p>
-            <a:pPr lvl="1"/>
-            <a:r>
-              <a:rPr lang="en-US" dirty="0"/>
-              <a:t>Horizontal slices can allow us to segment the data into subsets. </a:t>
-            </a:r>
-          </a:p>
-          <a:p>
-            <a:pPr lvl="1"/>
-            <a:r>
-              <a:rPr lang="en-US" dirty="0"/>
-              <a:t>We can compare groups against each other. </a:t>
-            </a:r>
-          </a:p>
-          <a:p>
-            <a:pPr lvl="1"/>
-            <a:r>
-              <a:rPr lang="en-US" dirty="0"/>
-              <a:t>If we have a large amount of data, or want to do some stats calculations, we can generate samples from our “population” (population = everything, </a:t>
-            </a:r>
-            <a:r>
-              <a:rPr lang="en-US"/>
-              <a:t>in stats). </a:t>
-            </a:r>
-            <a:endParaRPr lang="en-US" dirty="0"/>
-          </a:p>
-        </p:txBody>
-      </p:sp>
+              <a:t>Dataframe</a:t>
+            </a:r>
+            <a:r>
+              <a:rPr lang="en-US" dirty="0"/>
+              <a:t> – roughly a Python spreadsheet. </a:t>
+            </a:r>
+          </a:p>
+          <a:p>
+            <a:r>
+              <a:rPr lang="en-US" dirty="0"/>
+              <a:t>We can manipulate our data largely as we would think about it in Excel, but through code. </a:t>
+            </a:r>
+          </a:p>
+          <a:p>
+            <a:r>
+              <a:rPr lang="en-US" dirty="0"/>
+              <a:t>Maps easily to databases, if we are getting data from them. </a:t>
+            </a:r>
+          </a:p>
+        </p:txBody>
+      </p:sp>
+      <p:pic>
+        <p:nvPicPr>
+          <p:cNvPr id="2050" name="Picture 2" descr="Panda Rapper 🎤🐼 - AI Generated Artwork - NightCafe Creator">
+            <a:extLst>
+              <a:ext uri="{FF2B5EF4-FFF2-40B4-BE49-F238E27FC236}">
+                <a16:creationId xmlns:a16="http://schemas.microsoft.com/office/drawing/2014/main" id="{7EB30276-E13F-3EE9-917E-F92CE5AD1547}"/>
+              </a:ext>
+            </a:extLst>
+          </p:cNvPr>
+          <p:cNvPicPr>
+            <a:picLocks noChangeAspect="1" noChangeArrowheads="1"/>
+          </p:cNvPicPr>
+          <p:nvPr/>
+        </p:nvPicPr>
+        <p:blipFill>
+          <a:blip r:embed="rId2">
+            <a:extLst>
+              <a:ext uri="{28A0092B-C50C-407E-A947-70E740481C1C}">
+                <a14:useLocalDpi xmlns:a14="http://schemas.microsoft.com/office/drawing/2010/main" val="0"/>
+              </a:ext>
+            </a:extLst>
+          </a:blip>
+          <a:srcRect/>
+          <a:stretch>
+            <a:fillRect/>
+          </a:stretch>
+        </p:blipFill>
+        <p:spPr bwMode="auto">
+          <a:xfrm>
+            <a:off x="8451850" y="0"/>
+            <a:ext cx="3740150" cy="6858000"/>
+          </a:xfrm>
+          <a:prstGeom prst="rect">
+            <a:avLst/>
+          </a:prstGeom>
+          <a:noFill/>
+          <a:extLst>
+            <a:ext uri="{909E8E84-426E-40DD-AFC4-6F175D3DCCD1}">
+              <a14:hiddenFill xmlns:a14="http://schemas.microsoft.com/office/drawing/2010/main">
+                <a:solidFill>
+                  <a:srgbClr val="FFFFFF"/>
+                </a:solidFill>
+              </a14:hiddenFill>
+            </a:ext>
+          </a:extLst>
+        </p:spPr>
+      </p:pic>
     </p:spTree>
     <p:extLst>
       <p:ext uri="{BB962C8B-B14F-4D97-AF65-F5344CB8AC3E}">
-        <p14:creationId xmlns:p14="http://schemas.microsoft.com/office/powerpoint/2010/main" val="816048767"/>
+        <p14:creationId xmlns:p14="http://schemas.microsoft.com/office/powerpoint/2010/main" val="3233503731"/>
       </p:ext>
     </p:extLst>
   </p:cSld>
@@ -3864,6 +3911,145 @@
           <p:cNvPr id="2" name="Title 1">
             <a:extLst>
               <a:ext uri="{FF2B5EF4-FFF2-40B4-BE49-F238E27FC236}">
+                <a16:creationId xmlns:a16="http://schemas.microsoft.com/office/drawing/2014/main" id="{5CF74E0F-5E00-15A5-69D8-30E87B47E3F7}"/>
+              </a:ext>
+            </a:extLst>
+          </p:cNvPr>
+          <p:cNvSpPr>
+            <a:spLocks noGrp="1"/>
+          </p:cNvSpPr>
+          <p:nvPr>
+            <p:ph type="title"/>
+          </p:nvPr>
+        </p:nvSpPr>
+        <p:spPr/>
+        <p:txBody>
+          <a:bodyPr/>
+          <a:lstStyle/>
+          <a:p>
+            <a:r>
+              <a:rPr lang="en-US" dirty="0"/>
+              <a:t>Slice and Dice the Data</a:t>
+            </a:r>
+          </a:p>
+        </p:txBody>
+      </p:sp>
+      <p:sp>
+        <p:nvSpPr>
+          <p:cNvPr id="3" name="Content Placeholder 2">
+            <a:extLst>
+              <a:ext uri="{FF2B5EF4-FFF2-40B4-BE49-F238E27FC236}">
+                <a16:creationId xmlns:a16="http://schemas.microsoft.com/office/drawing/2014/main" id="{FBF2C771-BCFF-0BCA-C201-EA2B19075FDA}"/>
+              </a:ext>
+            </a:extLst>
+          </p:cNvPr>
+          <p:cNvSpPr>
+            <a:spLocks noGrp="1"/>
+          </p:cNvSpPr>
+          <p:nvPr>
+            <p:ph idx="1"/>
+          </p:nvPr>
+        </p:nvSpPr>
+        <p:spPr>
+          <a:xfrm>
+            <a:off x="1451579" y="2015732"/>
+            <a:ext cx="9603275" cy="4037749"/>
+          </a:xfrm>
+        </p:spPr>
+        <p:txBody>
+          <a:bodyPr/>
+          <a:lstStyle/>
+          <a:p>
+            <a:r>
+              <a:rPr lang="en-US" dirty="0"/>
+              <a:t>One useful thing about </a:t>
+            </a:r>
+            <a:r>
+              <a:rPr lang="en-US" dirty="0" err="1"/>
+              <a:t>dataframes</a:t>
+            </a:r>
+            <a:r>
+              <a:rPr lang="en-US" dirty="0"/>
+              <a:t> is that they make it easy to “slice” data. </a:t>
+            </a:r>
+          </a:p>
+          <a:p>
+            <a:r>
+              <a:rPr lang="en-US" dirty="0"/>
+              <a:t>In ML, we commonly need to slice “vertically”, or separate a column. </a:t>
+            </a:r>
+          </a:p>
+          <a:p>
+            <a:pPr lvl="1"/>
+            <a:r>
+              <a:rPr lang="en-US" dirty="0"/>
+              <a:t>E.g. separate the column that we want to predict from the inputs. </a:t>
+            </a:r>
+          </a:p>
+          <a:p>
+            <a:r>
+              <a:rPr lang="en-US" dirty="0"/>
+              <a:t>We can also slice ”horizontally”, or create groupings or samples. </a:t>
+            </a:r>
+          </a:p>
+          <a:p>
+            <a:pPr lvl="1"/>
+            <a:r>
+              <a:rPr lang="en-US" dirty="0"/>
+              <a:t>Horizontal slices can allow us to segment the data into subsets. </a:t>
+            </a:r>
+          </a:p>
+          <a:p>
+            <a:pPr lvl="1"/>
+            <a:r>
+              <a:rPr lang="en-US" dirty="0"/>
+              <a:t>We can compare groups against each other. </a:t>
+            </a:r>
+          </a:p>
+          <a:p>
+            <a:pPr lvl="1"/>
+            <a:r>
+              <a:rPr lang="en-US" dirty="0"/>
+              <a:t>If we have a large amount of data, or want to do some stats calculations, we can generate samples from our “population” (population = everything, in stats). </a:t>
+            </a:r>
+          </a:p>
+        </p:txBody>
+      </p:sp>
+    </p:spTree>
+    <p:extLst>
+      <p:ext uri="{BB962C8B-B14F-4D97-AF65-F5344CB8AC3E}">
+        <p14:creationId xmlns:p14="http://schemas.microsoft.com/office/powerpoint/2010/main" val="816048767"/>
+      </p:ext>
+    </p:extLst>
+  </p:cSld>
+  <p:clrMapOvr>
+    <a:masterClrMapping/>
+  </p:clrMapOvr>
+</p:sld>
+</file>
+
+<file path=ppt/slides/slide12.xml><?xml version="1.0" encoding="utf-8"?>
+<p:sld xmlns:a="http://schemas.openxmlformats.org/drawingml/2006/main" xmlns:r="http://schemas.openxmlformats.org/officeDocument/2006/relationships" xmlns:p="http://schemas.openxmlformats.org/presentationml/2006/main">
+  <p:cSld>
+    <p:spTree>
+      <p:nvGrpSpPr>
+        <p:cNvPr id="1" name=""/>
+        <p:cNvGrpSpPr/>
+        <p:nvPr/>
+      </p:nvGrpSpPr>
+      <p:grpSpPr>
+        <a:xfrm>
+          <a:off x="0" y="0"/>
+          <a:ext cx="0" cy="0"/>
+          <a:chOff x="0" y="0"/>
+          <a:chExt cx="0" cy="0"/>
+        </a:xfrm>
+      </p:grpSpPr>
+      <p:sp>
+        <p:nvSpPr>
+          <p:cNvPr id="2" name="Title 1">
+            <a:extLst>
+              <a:ext uri="{FF2B5EF4-FFF2-40B4-BE49-F238E27FC236}">
                 <a16:creationId xmlns:a16="http://schemas.microsoft.com/office/drawing/2014/main" id="{25AA1504-010C-237E-14FF-20B143CD1BE3}"/>
               </a:ext>
             </a:extLst>
@@ -3987,7 +4173,7 @@
 </p:sld>
 </file>
 
-<file path=ppt/slides/slide12.xml><?xml version="1.0" encoding="utf-8"?>
+<file path=ppt/slides/slide13.xml><?xml version="1.0" encoding="utf-8"?>
 <p:sld xmlns:a="http://schemas.openxmlformats.org/drawingml/2006/main" xmlns:r="http://schemas.openxmlformats.org/officeDocument/2006/relationships" xmlns:p="http://schemas.openxmlformats.org/presentationml/2006/main">
   <p:cSld>
     <p:spTree>
@@ -4114,7 +4300,7 @@
 </p:sld>
 </file>
 
-<file path=ppt/slides/slide13.xml><?xml version="1.0" encoding="utf-8"?>
+<file path=ppt/slides/slide14.xml><?xml version="1.0" encoding="utf-8"?>
 <p:sld xmlns:a="http://schemas.openxmlformats.org/drawingml/2006/main" xmlns:r="http://schemas.openxmlformats.org/officeDocument/2006/relationships" xmlns:p="http://schemas.openxmlformats.org/presentationml/2006/main">
   <p:cSld>
     <p:spTree>
@@ -4263,7 +4449,7 @@
           <p:cNvPr id="2" name="Title 1">
             <a:extLst>
               <a:ext uri="{FF2B5EF4-FFF2-40B4-BE49-F238E27FC236}">
-                <a16:creationId xmlns:a16="http://schemas.microsoft.com/office/drawing/2014/main" id="{47690661-6808-0E66-5825-F0987DF64D8B}"/>
+                <a16:creationId xmlns:a16="http://schemas.microsoft.com/office/drawing/2014/main" id="{B4EF75E9-37EB-6D59-AEB9-2C14ED9BE8A8}"/>
               </a:ext>
             </a:extLst>
           </p:cNvPr>
@@ -4271,7 +4457,7 @@
             <a:spLocks noGrp="1"/>
           </p:cNvSpPr>
           <p:nvPr>
-            <p:ph type="title"/>
+            <p:ph type="ctrTitle"/>
           </p:nvPr>
         </p:nvSpPr>
         <p:spPr/>
@@ -4281,17 +4467,17 @@
           <a:p>
             <a:r>
               <a:rPr lang="en-US" dirty="0"/>
-              <a:t>Manipulating Data</a:t>
-            </a:r>
-          </a:p>
-        </p:txBody>
-      </p:sp>
-      <p:sp>
-        <p:nvSpPr>
-          <p:cNvPr id="3" name="Content Placeholder 2">
+              <a:t>Datasheets</a:t>
+            </a:r>
+          </a:p>
+        </p:txBody>
+      </p:sp>
+      <p:sp>
+        <p:nvSpPr>
+          <p:cNvPr id="3" name="Subtitle 2">
             <a:extLst>
               <a:ext uri="{FF2B5EF4-FFF2-40B4-BE49-F238E27FC236}">
-                <a16:creationId xmlns:a16="http://schemas.microsoft.com/office/drawing/2014/main" id="{C9CA6043-D5F7-5A7B-895B-8B6370F4F4E5}"/>
+                <a16:creationId xmlns:a16="http://schemas.microsoft.com/office/drawing/2014/main" id="{2DE41AF2-25BC-AD0E-1E44-54EEC6D208E7}"/>
               </a:ext>
             </a:extLst>
           </p:cNvPr>
@@ -4299,68 +4485,22 @@
             <a:spLocks noGrp="1"/>
           </p:cNvSpPr>
           <p:nvPr>
-            <p:ph idx="1"/>
-          </p:nvPr>
-        </p:nvSpPr>
-        <p:spPr>
-          <a:xfrm>
-            <a:off x="1451579" y="1928192"/>
-            <a:ext cx="9603275" cy="4015408"/>
-          </a:xfrm>
-        </p:spPr>
-        <p:txBody>
-          <a:bodyPr/>
-          <a:lstStyle/>
-          <a:p>
-            <a:r>
-              <a:rPr lang="en-US" dirty="0"/>
-              <a:t>To this point, we can read data from a file and do a lot to manipulate it. </a:t>
-            </a:r>
-          </a:p>
-          <a:p>
-            <a:r>
-              <a:rPr lang="en-US" dirty="0"/>
-              <a:t>Each time we use some data, we need to “organize” it to some degree:</a:t>
-            </a:r>
-          </a:p>
-          <a:p>
-            <a:pPr lvl="1"/>
-            <a:r>
-              <a:rPr lang="en-US" dirty="0"/>
-              <a:t>What data do we have? </a:t>
-            </a:r>
-          </a:p>
-          <a:p>
-            <a:pPr lvl="1"/>
-            <a:r>
-              <a:rPr lang="en-US" dirty="0"/>
-              <a:t>Which parts come where? </a:t>
-            </a:r>
-          </a:p>
-          <a:p>
-            <a:r>
-              <a:rPr lang="en-US" dirty="0"/>
-              <a:t>It might be easier to use lots of data if it was in a standardized format. </a:t>
-            </a:r>
-          </a:p>
-          <a:p>
-            <a:r>
-              <a:rPr lang="en-US" dirty="0"/>
-              <a:t>We can have assumptions that we rely on to make things easier. </a:t>
-            </a:r>
-          </a:p>
-          <a:p>
-            <a:r>
-              <a:rPr lang="en-US" dirty="0"/>
-              <a:t>When we get to machine learning, we use this old, organized, data as our main source. </a:t>
-            </a:r>
+            <p:ph type="subTitle" idx="1"/>
+          </p:nvPr>
+        </p:nvSpPr>
+        <p:spPr/>
+        <p:txBody>
+          <a:bodyPr/>
+          <a:lstStyle/>
+          <a:p>
+            <a:endParaRPr lang="en-US"/>
           </a:p>
         </p:txBody>
       </p:sp>
     </p:spTree>
     <p:extLst>
       <p:ext uri="{BB962C8B-B14F-4D97-AF65-F5344CB8AC3E}">
-        <p14:creationId xmlns:p14="http://schemas.microsoft.com/office/powerpoint/2010/main" val="3998290659"/>
+        <p14:creationId xmlns:p14="http://schemas.microsoft.com/office/powerpoint/2010/main" val="4147476618"/>
       </p:ext>
     </p:extLst>
   </p:cSld>
@@ -4392,7 +4532,7 @@
           <p:cNvPr id="2" name="Title 1">
             <a:extLst>
               <a:ext uri="{FF2B5EF4-FFF2-40B4-BE49-F238E27FC236}">
-                <a16:creationId xmlns:a16="http://schemas.microsoft.com/office/drawing/2014/main" id="{0B4DA04E-7CFA-F6A6-F39F-773FFF0D18A5}"/>
+                <a16:creationId xmlns:a16="http://schemas.microsoft.com/office/drawing/2014/main" id="{47690661-6808-0E66-5825-F0987DF64D8B}"/>
               </a:ext>
             </a:extLst>
           </p:cNvPr>
@@ -4410,7 +4550,7 @@
           <a:p>
             <a:r>
               <a:rPr lang="en-US" dirty="0"/>
-              <a:t>Large Amounts of Data</a:t>
+              <a:t>Manipulating Data</a:t>
             </a:r>
           </a:p>
         </p:txBody>
@@ -4420,7 +4560,7 @@
           <p:cNvPr id="3" name="Content Placeholder 2">
             <a:extLst>
               <a:ext uri="{FF2B5EF4-FFF2-40B4-BE49-F238E27FC236}">
-                <a16:creationId xmlns:a16="http://schemas.microsoft.com/office/drawing/2014/main" id="{28463478-157A-9B20-73D3-A9C7D1BBBEC3}"/>
+                <a16:creationId xmlns:a16="http://schemas.microsoft.com/office/drawing/2014/main" id="{C9CA6043-D5F7-5A7B-895B-8B6370F4F4E5}"/>
               </a:ext>
             </a:extLst>
           </p:cNvPr>
@@ -4433,57 +4573,55 @@
         </p:nvSpPr>
         <p:spPr>
           <a:xfrm>
-            <a:off x="1451579" y="2015732"/>
-            <a:ext cx="9603275" cy="4037749"/>
-          </a:xfrm>
-        </p:spPr>
-        <p:txBody>
-          <a:bodyPr/>
-          <a:lstStyle/>
-          <a:p>
-            <a:r>
-              <a:rPr lang="en-US" dirty="0"/>
-              <a:t>This system of using old examples to make accurate predictions fits well with how data is stored in databases. </a:t>
+            <a:off x="1451579" y="1928192"/>
+            <a:ext cx="9603275" cy="4015408"/>
+          </a:xfrm>
+        </p:spPr>
+        <p:txBody>
+          <a:bodyPr/>
+          <a:lstStyle/>
+          <a:p>
+            <a:r>
+              <a:rPr lang="en-US" dirty="0"/>
+              <a:t>To this point, we can read data from a file and do a lot to manipulate it. </a:t>
+            </a:r>
+          </a:p>
+          <a:p>
+            <a:r>
+              <a:rPr lang="en-US" dirty="0"/>
+              <a:t>Each time we use some data, we need to “organize” it to some degree:</a:t>
             </a:r>
           </a:p>
           <a:p>
             <a:pPr lvl="1"/>
             <a:r>
               <a:rPr lang="en-US" dirty="0"/>
-              <a:t>We’ll look at this in more detail over the next two times, for now we just want a basic understanding of what’s in a database. </a:t>
-            </a:r>
-          </a:p>
-          <a:p>
-            <a:r>
-              <a:rPr lang="en-US" dirty="0"/>
-              <a:t>Databases are made of tables that each look like a spreadsheet. </a:t>
+              <a:t>What data do we have? </a:t>
             </a:r>
           </a:p>
           <a:p>
             <a:pPr lvl="1"/>
             <a:r>
               <a:rPr lang="en-US" dirty="0"/>
-              <a:t>Each table represents an entity – one ”thing” that we track. </a:t>
-            </a:r>
-          </a:p>
-          <a:p>
-            <a:pPr lvl="1"/>
-            <a:r>
-              <a:rPr lang="en-US" dirty="0"/>
-              <a:t>Each column represents an attribute - one value that we store for this entity. </a:t>
-            </a:r>
-          </a:p>
-          <a:p>
-            <a:pPr lvl="1"/>
-            <a:r>
-              <a:rPr lang="en-US" dirty="0"/>
-              <a:t>Each row represents an instance – one example of that entity. </a:t>
-            </a:r>
-          </a:p>
-          <a:p>
-            <a:r>
-              <a:rPr lang="en-US" dirty="0"/>
-              <a:t>So, each table is effectively a list of items, and what we know about them. </a:t>
+              <a:t>Which parts come where? </a:t>
+            </a:r>
+          </a:p>
+          <a:p>
+            <a:r>
+              <a:rPr lang="en-US" dirty="0"/>
+              <a:t>It might be easier to use lots of data if it was in a standardized format. </a:t>
+            </a:r>
+          </a:p>
+          <a:p>
+            <a:r>
+              <a:rPr lang="en-US" dirty="0"/>
+              <a:t>We can have assumptions that we rely on to make things easier. </a:t>
+            </a:r>
+          </a:p>
+          <a:p>
+            <a:r>
+              <a:rPr lang="en-US" dirty="0"/>
+              <a:t>When we get to machine learning, we use this old, organized, data as our main source. </a:t>
             </a:r>
           </a:p>
         </p:txBody>
@@ -4491,7 +4629,7 @@
     </p:spTree>
     <p:extLst>
       <p:ext uri="{BB962C8B-B14F-4D97-AF65-F5344CB8AC3E}">
-        <p14:creationId xmlns:p14="http://schemas.microsoft.com/office/powerpoint/2010/main" val="2892367673"/>
+        <p14:creationId xmlns:p14="http://schemas.microsoft.com/office/powerpoint/2010/main" val="3998290659"/>
       </p:ext>
     </p:extLst>
   </p:cSld>
@@ -4523,7 +4661,7 @@
           <p:cNvPr id="2" name="Title 1">
             <a:extLst>
               <a:ext uri="{FF2B5EF4-FFF2-40B4-BE49-F238E27FC236}">
-                <a16:creationId xmlns:a16="http://schemas.microsoft.com/office/drawing/2014/main" id="{3F179657-4A8F-6484-A8A1-BC6E89AD079F}"/>
+                <a16:creationId xmlns:a16="http://schemas.microsoft.com/office/drawing/2014/main" id="{0B4DA04E-7CFA-F6A6-F39F-773FFF0D18A5}"/>
               </a:ext>
             </a:extLst>
           </p:cNvPr>
@@ -4539,7 +4677,10 @@
           <a:bodyPr/>
           <a:lstStyle/>
           <a:p>
-            <a:endParaRPr lang="en-US"/>
+            <a:r>
+              <a:rPr lang="en-US" dirty="0"/>
+              <a:t>Large Amounts of Data</a:t>
+            </a:r>
           </a:p>
         </p:txBody>
       </p:sp>
@@ -4548,7 +4689,7 @@
           <p:cNvPr id="3" name="Content Placeholder 2">
             <a:extLst>
               <a:ext uri="{FF2B5EF4-FFF2-40B4-BE49-F238E27FC236}">
-                <a16:creationId xmlns:a16="http://schemas.microsoft.com/office/drawing/2014/main" id="{F688A8C9-D332-8F74-9421-FB75D9D24B11}"/>
+                <a16:creationId xmlns:a16="http://schemas.microsoft.com/office/drawing/2014/main" id="{28463478-157A-9B20-73D3-A9C7D1BBBEC3}"/>
               </a:ext>
             </a:extLst>
           </p:cNvPr>
@@ -4561,80 +4702,65 @@
         </p:nvSpPr>
         <p:spPr>
           <a:xfrm>
-            <a:off x="8785655" y="1853754"/>
-            <a:ext cx="3406345" cy="4199727"/>
-          </a:xfrm>
-        </p:spPr>
-        <p:txBody>
-          <a:bodyPr/>
-          <a:lstStyle/>
-          <a:p>
-            <a:r>
-              <a:rPr lang="en-US" dirty="0"/>
-              <a:t>Table – loans. </a:t>
-            </a:r>
-          </a:p>
-          <a:p>
-            <a:r>
-              <a:rPr lang="en-US" dirty="0"/>
-              <a:t>Row – instance, one loan. </a:t>
-            </a:r>
-          </a:p>
-          <a:p>
-            <a:r>
-              <a:rPr lang="en-US" dirty="0"/>
-              <a:t>Column – thing we track about the loan. </a:t>
+            <a:off x="1451579" y="2015732"/>
+            <a:ext cx="9603275" cy="4037749"/>
+          </a:xfrm>
+        </p:spPr>
+        <p:txBody>
+          <a:bodyPr/>
+          <a:lstStyle/>
+          <a:p>
+            <a:r>
+              <a:rPr lang="en-US" dirty="0"/>
+              <a:t>This system of using old examples to make accurate predictions fits well with how data is stored in databases. </a:t>
             </a:r>
           </a:p>
           <a:p>
             <a:pPr lvl="1"/>
             <a:r>
               <a:rPr lang="en-US" dirty="0"/>
-              <a:t>Including if it was paid. </a:t>
+              <a:t>We’ll look at this in more detail over the next two times, for now we just want a basic understanding of what’s in a database. </a:t>
+            </a:r>
+          </a:p>
+          <a:p>
+            <a:r>
+              <a:rPr lang="en-US" dirty="0"/>
+              <a:t>Databases are made of tables that each look like a spreadsheet. </a:t>
             </a:r>
           </a:p>
           <a:p>
             <a:pPr lvl="1"/>
             <a:r>
               <a:rPr lang="en-US" dirty="0"/>
-              <a:t>We could know the inputs (other stuff) before giving a loan, then use these old ones to predict if it was paid. </a:t>
-            </a:r>
-          </a:p>
-        </p:txBody>
-      </p:sp>
-      <p:pic>
-        <p:nvPicPr>
-          <p:cNvPr id="4" name="Picture 3">
-            <a:extLst>
-              <a:ext uri="{FF2B5EF4-FFF2-40B4-BE49-F238E27FC236}">
-                <a16:creationId xmlns:a16="http://schemas.microsoft.com/office/drawing/2014/main" id="{DE7119FB-9805-1A7A-8CCD-C47A2052DA65}"/>
-              </a:ext>
-            </a:extLst>
-          </p:cNvPr>
-          <p:cNvPicPr>
-            <a:picLocks noChangeAspect="1"/>
-          </p:cNvPicPr>
-          <p:nvPr/>
-        </p:nvPicPr>
-        <p:blipFill rotWithShape="1">
-          <a:blip r:embed="rId2"/>
-          <a:srcRect l="13381" t="22039" r="16496"/>
-          <a:stretch/>
-        </p:blipFill>
-        <p:spPr>
-          <a:xfrm>
-            <a:off x="28831" y="0"/>
-            <a:ext cx="8634091" cy="5466345"/>
-          </a:xfrm>
-          <a:prstGeom prst="rect">
-            <a:avLst/>
-          </a:prstGeom>
-        </p:spPr>
-      </p:pic>
+              <a:t>Each table represents an entity – one ”thing” that we track. </a:t>
+            </a:r>
+          </a:p>
+          <a:p>
+            <a:pPr lvl="1"/>
+            <a:r>
+              <a:rPr lang="en-US" dirty="0"/>
+              <a:t>Each column represents an attribute - one value that we store for this entity. </a:t>
+            </a:r>
+          </a:p>
+          <a:p>
+            <a:pPr lvl="1"/>
+            <a:r>
+              <a:rPr lang="en-US" dirty="0"/>
+              <a:t>Each row represents an instance – one example of that entity. </a:t>
+            </a:r>
+          </a:p>
+          <a:p>
+            <a:r>
+              <a:rPr lang="en-US" dirty="0"/>
+              <a:t>So, each table is effectively a list of items, and what we know about them. </a:t>
+            </a:r>
+          </a:p>
+        </p:txBody>
+      </p:sp>
     </p:spTree>
     <p:extLst>
       <p:ext uri="{BB962C8B-B14F-4D97-AF65-F5344CB8AC3E}">
-        <p14:creationId xmlns:p14="http://schemas.microsoft.com/office/powerpoint/2010/main" val="3982913569"/>
+        <p14:creationId xmlns:p14="http://schemas.microsoft.com/office/powerpoint/2010/main" val="2892367673"/>
       </p:ext>
     </p:extLst>
   </p:cSld>
@@ -4666,6 +4792,149 @@
           <p:cNvPr id="2" name="Title 1">
             <a:extLst>
               <a:ext uri="{FF2B5EF4-FFF2-40B4-BE49-F238E27FC236}">
+                <a16:creationId xmlns:a16="http://schemas.microsoft.com/office/drawing/2014/main" id="{3F179657-4A8F-6484-A8A1-BC6E89AD079F}"/>
+              </a:ext>
+            </a:extLst>
+          </p:cNvPr>
+          <p:cNvSpPr>
+            <a:spLocks noGrp="1"/>
+          </p:cNvSpPr>
+          <p:nvPr>
+            <p:ph type="title"/>
+          </p:nvPr>
+        </p:nvSpPr>
+        <p:spPr/>
+        <p:txBody>
+          <a:bodyPr/>
+          <a:lstStyle/>
+          <a:p>
+            <a:endParaRPr lang="en-US"/>
+          </a:p>
+        </p:txBody>
+      </p:sp>
+      <p:sp>
+        <p:nvSpPr>
+          <p:cNvPr id="3" name="Content Placeholder 2">
+            <a:extLst>
+              <a:ext uri="{FF2B5EF4-FFF2-40B4-BE49-F238E27FC236}">
+                <a16:creationId xmlns:a16="http://schemas.microsoft.com/office/drawing/2014/main" id="{F688A8C9-D332-8F74-9421-FB75D9D24B11}"/>
+              </a:ext>
+            </a:extLst>
+          </p:cNvPr>
+          <p:cNvSpPr>
+            <a:spLocks noGrp="1"/>
+          </p:cNvSpPr>
+          <p:nvPr>
+            <p:ph idx="1"/>
+          </p:nvPr>
+        </p:nvSpPr>
+        <p:spPr>
+          <a:xfrm>
+            <a:off x="8785655" y="1853754"/>
+            <a:ext cx="3406345" cy="4199727"/>
+          </a:xfrm>
+        </p:spPr>
+        <p:txBody>
+          <a:bodyPr/>
+          <a:lstStyle/>
+          <a:p>
+            <a:r>
+              <a:rPr lang="en-US" dirty="0"/>
+              <a:t>Table – loans. </a:t>
+            </a:r>
+          </a:p>
+          <a:p>
+            <a:r>
+              <a:rPr lang="en-US" dirty="0"/>
+              <a:t>Row – instance, one loan. </a:t>
+            </a:r>
+          </a:p>
+          <a:p>
+            <a:r>
+              <a:rPr lang="en-US" dirty="0"/>
+              <a:t>Column – thing we track about the loan. </a:t>
+            </a:r>
+          </a:p>
+          <a:p>
+            <a:pPr lvl="1"/>
+            <a:r>
+              <a:rPr lang="en-US" dirty="0"/>
+              <a:t>Including if it was paid. </a:t>
+            </a:r>
+          </a:p>
+          <a:p>
+            <a:pPr lvl="1"/>
+            <a:r>
+              <a:rPr lang="en-US" dirty="0"/>
+              <a:t>We could know the inputs (other stuff) before giving a loan, then use these old ones to predict if it was paid. </a:t>
+            </a:r>
+          </a:p>
+        </p:txBody>
+      </p:sp>
+      <p:pic>
+        <p:nvPicPr>
+          <p:cNvPr id="4" name="Picture 3">
+            <a:extLst>
+              <a:ext uri="{FF2B5EF4-FFF2-40B4-BE49-F238E27FC236}">
+                <a16:creationId xmlns:a16="http://schemas.microsoft.com/office/drawing/2014/main" id="{DE7119FB-9805-1A7A-8CCD-C47A2052DA65}"/>
+              </a:ext>
+            </a:extLst>
+          </p:cNvPr>
+          <p:cNvPicPr>
+            <a:picLocks noChangeAspect="1"/>
+          </p:cNvPicPr>
+          <p:nvPr/>
+        </p:nvPicPr>
+        <p:blipFill rotWithShape="1">
+          <a:blip r:embed="rId2"/>
+          <a:srcRect l="13381" t="22039" r="16496"/>
+          <a:stretch/>
+        </p:blipFill>
+        <p:spPr>
+          <a:xfrm>
+            <a:off x="28831" y="0"/>
+            <a:ext cx="8634091" cy="5466345"/>
+          </a:xfrm>
+          <a:prstGeom prst="rect">
+            <a:avLst/>
+          </a:prstGeom>
+        </p:spPr>
+      </p:pic>
+    </p:spTree>
+    <p:extLst>
+      <p:ext uri="{BB962C8B-B14F-4D97-AF65-F5344CB8AC3E}">
+        <p14:creationId xmlns:p14="http://schemas.microsoft.com/office/powerpoint/2010/main" val="3982913569"/>
+      </p:ext>
+    </p:extLst>
+  </p:cSld>
+  <p:clrMapOvr>
+    <a:masterClrMapping/>
+  </p:clrMapOvr>
+</p:sld>
+</file>
+
+<file path=ppt/slides/slide6.xml><?xml version="1.0" encoding="utf-8"?>
+<p:sld xmlns:a="http://schemas.openxmlformats.org/drawingml/2006/main" xmlns:r="http://schemas.openxmlformats.org/officeDocument/2006/relationships" xmlns:p="http://schemas.openxmlformats.org/presentationml/2006/main">
+  <p:cSld>
+    <p:spTree>
+      <p:nvGrpSpPr>
+        <p:cNvPr id="1" name=""/>
+        <p:cNvGrpSpPr/>
+        <p:nvPr/>
+      </p:nvGrpSpPr>
+      <p:grpSpPr>
+        <a:xfrm>
+          <a:off x="0" y="0"/>
+          <a:ext cx="0" cy="0"/>
+          <a:chOff x="0" y="0"/>
+          <a:chExt cx="0" cy="0"/>
+        </a:xfrm>
+      </p:grpSpPr>
+      <p:sp>
+        <p:nvSpPr>
+          <p:cNvPr id="2" name="Title 1">
+            <a:extLst>
+              <a:ext uri="{FF2B5EF4-FFF2-40B4-BE49-F238E27FC236}">
                 <a16:creationId xmlns:a16="http://schemas.microsoft.com/office/drawing/2014/main" id="{179BC5AA-E346-DB9C-9CCE-177465EF947E}"/>
               </a:ext>
             </a:extLst>
@@ -4769,144 +5038,6 @@
 </p:sld>
 </file>
 
-<file path=ppt/slides/slide6.xml><?xml version="1.0" encoding="utf-8"?>
-<p:sld xmlns:a="http://schemas.openxmlformats.org/drawingml/2006/main" xmlns:r="http://schemas.openxmlformats.org/officeDocument/2006/relationships" xmlns:p="http://schemas.openxmlformats.org/presentationml/2006/main">
-  <p:cSld>
-    <p:spTree>
-      <p:nvGrpSpPr>
-        <p:cNvPr id="1" name=""/>
-        <p:cNvGrpSpPr/>
-        <p:nvPr/>
-      </p:nvGrpSpPr>
-      <p:grpSpPr>
-        <a:xfrm>
-          <a:off x="0" y="0"/>
-          <a:ext cx="0" cy="0"/>
-          <a:chOff x="0" y="0"/>
-          <a:chExt cx="0" cy="0"/>
-        </a:xfrm>
-      </p:grpSpPr>
-      <p:sp>
-        <p:nvSpPr>
-          <p:cNvPr id="2" name="Title 1">
-            <a:extLst>
-              <a:ext uri="{FF2B5EF4-FFF2-40B4-BE49-F238E27FC236}">
-                <a16:creationId xmlns:a16="http://schemas.microsoft.com/office/drawing/2014/main" id="{3AB4E289-9064-E57C-1E92-115CE951FDE9}"/>
-              </a:ext>
-            </a:extLst>
-          </p:cNvPr>
-          <p:cNvSpPr>
-            <a:spLocks noGrp="1"/>
-          </p:cNvSpPr>
-          <p:nvPr>
-            <p:ph type="title"/>
-          </p:nvPr>
-        </p:nvSpPr>
-        <p:spPr/>
-        <p:txBody>
-          <a:bodyPr/>
-          <a:lstStyle/>
-          <a:p>
-            <a:r>
-              <a:rPr lang="en-US" dirty="0"/>
-              <a:t>datasheets</a:t>
-            </a:r>
-          </a:p>
-        </p:txBody>
-      </p:sp>
-      <p:sp>
-        <p:nvSpPr>
-          <p:cNvPr id="3" name="Content Placeholder 2">
-            <a:extLst>
-              <a:ext uri="{FF2B5EF4-FFF2-40B4-BE49-F238E27FC236}">
-                <a16:creationId xmlns:a16="http://schemas.microsoft.com/office/drawing/2014/main" id="{F9C2B437-8E90-0946-14B1-363E7B6FE127}"/>
-              </a:ext>
-            </a:extLst>
-          </p:cNvPr>
-          <p:cNvSpPr>
-            <a:spLocks noGrp="1"/>
-          </p:cNvSpPr>
-          <p:nvPr>
-            <p:ph idx="1"/>
-          </p:nvPr>
-        </p:nvSpPr>
-        <p:spPr>
-          <a:xfrm>
-            <a:off x="1451579" y="2015732"/>
-            <a:ext cx="9603275" cy="4037749"/>
-          </a:xfrm>
-        </p:spPr>
-        <p:txBody>
-          <a:bodyPr/>
-          <a:lstStyle/>
-          <a:p>
-            <a:r>
-              <a:rPr lang="en-US" dirty="0"/>
-              <a:t>This format (table, row, column) is called a datasheet. </a:t>
-            </a:r>
-          </a:p>
-          <a:p>
-            <a:r>
-              <a:rPr lang="en-US" dirty="0"/>
-              <a:t>Most databases that exist in the world look just like this. </a:t>
-            </a:r>
-          </a:p>
-          <a:p>
-            <a:pPr lvl="1"/>
-            <a:r>
-              <a:rPr lang="en-US" dirty="0"/>
-              <a:t>We keep one table for each “item” – sale, product, customer, registration. </a:t>
-            </a:r>
-          </a:p>
-          <a:p>
-            <a:pPr lvl="1"/>
-            <a:r>
-              <a:rPr lang="en-US" dirty="0"/>
-              <a:t>Each column is one value that we track for that thing. </a:t>
-            </a:r>
-          </a:p>
-          <a:p>
-            <a:pPr lvl="1"/>
-            <a:r>
-              <a:rPr lang="en-US" dirty="0"/>
-              <a:t>Each row is one instance, or one specific example of that thing. </a:t>
-            </a:r>
-          </a:p>
-          <a:p>
-            <a:r>
-              <a:rPr lang="en-US" dirty="0"/>
-              <a:t>We generally load and manipulate data that looks like this. </a:t>
-            </a:r>
-          </a:p>
-          <a:p>
-            <a:pPr lvl="1"/>
-            <a:r>
-              <a:rPr lang="en-US" dirty="0"/>
-              <a:t>Safe assumptions for the “shape” of the data. </a:t>
-            </a:r>
-          </a:p>
-          <a:p>
-            <a:pPr lvl="1"/>
-            <a:r>
-              <a:rPr lang="en-US" dirty="0"/>
-              <a:t>Standardized tools and commands to manipulate the data. </a:t>
-            </a:r>
-          </a:p>
-        </p:txBody>
-      </p:sp>
-    </p:spTree>
-    <p:extLst>
-      <p:ext uri="{BB962C8B-B14F-4D97-AF65-F5344CB8AC3E}">
-        <p14:creationId xmlns:p14="http://schemas.microsoft.com/office/powerpoint/2010/main" val="3026967613"/>
-      </p:ext>
-    </p:extLst>
-  </p:cSld>
-  <p:clrMapOvr>
-    <a:masterClrMapping/>
-  </p:clrMapOvr>
-</p:sld>
-</file>
-
 <file path=ppt/slides/slide7.xml><?xml version="1.0" encoding="utf-8"?>
 <p:sld xmlns:a="http://schemas.openxmlformats.org/drawingml/2006/main" xmlns:r="http://schemas.openxmlformats.org/officeDocument/2006/relationships" xmlns:p="http://schemas.openxmlformats.org/presentationml/2006/main">
   <p:cSld>
@@ -4929,7 +5060,7 @@
           <p:cNvPr id="2" name="Title 1">
             <a:extLst>
               <a:ext uri="{FF2B5EF4-FFF2-40B4-BE49-F238E27FC236}">
-                <a16:creationId xmlns:a16="http://schemas.microsoft.com/office/drawing/2014/main" id="{FCAFB6E7-900B-5E91-DB17-4FF55163767C}"/>
+                <a16:creationId xmlns:a16="http://schemas.microsoft.com/office/drawing/2014/main" id="{3AB4E289-9064-E57C-1E92-115CE951FDE9}"/>
               </a:ext>
             </a:extLst>
           </p:cNvPr>
@@ -4947,7 +5078,7 @@
           <a:p>
             <a:r>
               <a:rPr lang="en-US" dirty="0"/>
-              <a:t>Data Separation</a:t>
+              <a:t>datasheets</a:t>
             </a:r>
           </a:p>
         </p:txBody>
@@ -4957,7 +5088,7 @@
           <p:cNvPr id="3" name="Content Placeholder 2">
             <a:extLst>
               <a:ext uri="{FF2B5EF4-FFF2-40B4-BE49-F238E27FC236}">
-                <a16:creationId xmlns:a16="http://schemas.microsoft.com/office/drawing/2014/main" id="{CE504ABC-FA6F-813C-8A11-1EE6C54E279E}"/>
+                <a16:creationId xmlns:a16="http://schemas.microsoft.com/office/drawing/2014/main" id="{F9C2B437-8E90-0946-14B1-363E7B6FE127}"/>
               </a:ext>
             </a:extLst>
           </p:cNvPr>
@@ -4980,53 +5111,54 @@
           <a:p>
             <a:r>
               <a:rPr lang="en-US" dirty="0"/>
-              <a:t>Continuing with the idea of using a database as a source for our data…</a:t>
-            </a:r>
-          </a:p>
-          <a:p>
-            <a:r>
-              <a:rPr lang="en-US" dirty="0"/>
-              <a:t>Databases are normally large and centralized, used by many people. </a:t>
+              <a:t>This format (table, row, column) is called a datasheet. </a:t>
+            </a:r>
+          </a:p>
+          <a:p>
+            <a:r>
+              <a:rPr lang="en-US" dirty="0"/>
+              <a:t>Most databases that exist in the world look just like this. </a:t>
             </a:r>
           </a:p>
           <a:p>
             <a:pPr lvl="1"/>
             <a:r>
               <a:rPr lang="en-US" dirty="0"/>
-              <a:t>We can’t have all our data in a spreadsheet because we don’t own it. </a:t>
+              <a:t>We keep one table for each “item” – sale, product, customer, registration. </a:t>
             </a:r>
           </a:p>
           <a:p>
             <a:pPr lvl="1"/>
             <a:r>
               <a:rPr lang="en-US" dirty="0"/>
-              <a:t>Other people need to be looking at and updating that data as well. </a:t>
-            </a:r>
-          </a:p>
-          <a:p>
-            <a:r>
-              <a:rPr lang="en-US" dirty="0"/>
-              <a:t>Solution – connect to the data that is held remotely. </a:t>
+              <a:t>Each column is one value that we track for that thing. </a:t>
             </a:r>
           </a:p>
           <a:p>
             <a:pPr lvl="1"/>
             <a:r>
               <a:rPr lang="en-US" dirty="0"/>
-              <a:t>Data stays in a database where it is, or it stays in a file like it will for us. </a:t>
+              <a:t>Each row is one instance, or one specific example of that thing. </a:t>
+            </a:r>
+          </a:p>
+          <a:p>
+            <a:r>
+              <a:rPr lang="en-US" dirty="0"/>
+              <a:t>We generally load and manipulate data that looks like this. </a:t>
             </a:r>
           </a:p>
           <a:p>
             <a:pPr lvl="1"/>
             <a:r>
               <a:rPr lang="en-US" dirty="0"/>
-              <a:t>We can grab it and use it remotely in Excel, on the web, in Tableau, in another system…</a:t>
-            </a:r>
-          </a:p>
-          <a:p>
-            <a:r>
-              <a:rPr lang="en-US" dirty="0"/>
-              <a:t>We assume that the data is structured in a datasheet format, allowing us to use those assumptions to handle any data interchangeably. </a:t>
+              <a:t>Safe assumptions for the “shape” of the data. </a:t>
+            </a:r>
+          </a:p>
+          <a:p>
+            <a:pPr lvl="1"/>
+            <a:r>
+              <a:rPr lang="en-US" dirty="0"/>
+              <a:t>Standardized tools and commands to manipulate the data. </a:t>
             </a:r>
           </a:p>
         </p:txBody>
@@ -5034,7 +5166,7 @@
     </p:spTree>
     <p:extLst>
       <p:ext uri="{BB962C8B-B14F-4D97-AF65-F5344CB8AC3E}">
-        <p14:creationId xmlns:p14="http://schemas.microsoft.com/office/powerpoint/2010/main" val="1567263807"/>
+        <p14:creationId xmlns:p14="http://schemas.microsoft.com/office/powerpoint/2010/main" val="3026967613"/>
       </p:ext>
     </p:extLst>
   </p:cSld>
@@ -5066,7 +5198,7 @@
           <p:cNvPr id="2" name="Title 1">
             <a:extLst>
               <a:ext uri="{FF2B5EF4-FFF2-40B4-BE49-F238E27FC236}">
-                <a16:creationId xmlns:a16="http://schemas.microsoft.com/office/drawing/2014/main" id="{9ED322E6-0B5C-DFF4-17F6-A17E501254AA}"/>
+                <a16:creationId xmlns:a16="http://schemas.microsoft.com/office/drawing/2014/main" id="{FCAFB6E7-900B-5E91-DB17-4FF55163767C}"/>
               </a:ext>
             </a:extLst>
           </p:cNvPr>
@@ -5082,7 +5214,10 @@
           <a:bodyPr/>
           <a:lstStyle/>
           <a:p>
-            <a:endParaRPr lang="en-US"/>
+            <a:r>
+              <a:rPr lang="en-US" dirty="0"/>
+              <a:t>Data Separation</a:t>
+            </a:r>
           </a:p>
         </p:txBody>
       </p:sp>
@@ -5091,7 +5226,7 @@
           <p:cNvPr id="3" name="Content Placeholder 2">
             <a:extLst>
               <a:ext uri="{FF2B5EF4-FFF2-40B4-BE49-F238E27FC236}">
-                <a16:creationId xmlns:a16="http://schemas.microsoft.com/office/drawing/2014/main" id="{0388649F-6239-5F01-BE46-5EA06F791481}"/>
+                <a16:creationId xmlns:a16="http://schemas.microsoft.com/office/drawing/2014/main" id="{CE504ABC-FA6F-813C-8A11-1EE6C54E279E}"/>
               </a:ext>
             </a:extLst>
           </p:cNvPr>
@@ -5104,317 +5239,63 @@
         </p:nvSpPr>
         <p:spPr>
           <a:xfrm>
-            <a:off x="4507537" y="2449551"/>
-            <a:ext cx="7459176" cy="3603930"/>
-          </a:xfrm>
-        </p:spPr>
-        <p:txBody>
-          <a:bodyPr/>
-          <a:lstStyle/>
-          <a:p>
-            <a:r>
-              <a:rPr lang="en-US" dirty="0"/>
-              <a:t>We connect our file to the data that is held elsewhere. </a:t>
-            </a:r>
-          </a:p>
-          <a:p>
-            <a:r>
-              <a:rPr lang="en-US" dirty="0"/>
-              <a:t>That data could be in a CSV, a database, </a:t>
-            </a:r>
-            <a:r>
-              <a:rPr lang="en-US" dirty="0" err="1"/>
-              <a:t>etc</a:t>
-            </a:r>
-            <a:r>
-              <a:rPr lang="en-US" dirty="0"/>
-              <a:t>…</a:t>
-            </a:r>
-          </a:p>
-          <a:p>
-            <a:r>
-              <a:rPr lang="en-US" dirty="0"/>
-              <a:t>Our stuff is built “on” the data, we don’t have it we just reach out and “grab” it from elsewhere. </a:t>
+            <a:off x="1451579" y="2015732"/>
+            <a:ext cx="9603275" cy="4037749"/>
+          </a:xfrm>
+        </p:spPr>
+        <p:txBody>
+          <a:bodyPr/>
+          <a:lstStyle/>
+          <a:p>
+            <a:r>
+              <a:rPr lang="en-US" dirty="0"/>
+              <a:t>Continuing with the idea of using a database as a source for our data…</a:t>
+            </a:r>
+          </a:p>
+          <a:p>
+            <a:r>
+              <a:rPr lang="en-US" dirty="0"/>
+              <a:t>Databases are normally large and centralized, used by many people. </a:t>
             </a:r>
           </a:p>
           <a:p>
             <a:pPr lvl="1"/>
             <a:r>
               <a:rPr lang="en-US" dirty="0"/>
-              <a:t>We can use it just like we have been. </a:t>
+              <a:t>We can’t have all our data in a spreadsheet because we don’t own it. </a:t>
             </a:r>
           </a:p>
           <a:p>
             <a:pPr lvl="1"/>
             <a:r>
               <a:rPr lang="en-US" dirty="0"/>
-              <a:t>It isn’t actually located in our workbook. </a:t>
+              <a:t>Other people need to be looking at and updating that data as well. </a:t>
+            </a:r>
+          </a:p>
+          <a:p>
+            <a:r>
+              <a:rPr lang="en-US" dirty="0"/>
+              <a:t>Solution – connect to the data that is held remotely. </a:t>
             </a:r>
           </a:p>
           <a:p>
             <a:pPr lvl="1"/>
             <a:r>
               <a:rPr lang="en-US" dirty="0"/>
-              <a:t>That data can change on its own, we update from it. </a:t>
-            </a:r>
-          </a:p>
-          <a:p>
-            <a:r>
-              <a:rPr lang="en-US" dirty="0"/>
-              <a:t>This is how most “data tools” work in real usage. </a:t>
-            </a:r>
-          </a:p>
-        </p:txBody>
-      </p:sp>
-      <p:sp>
-        <p:nvSpPr>
-          <p:cNvPr id="5" name="Rounded Rectangle 4">
-            <a:extLst>
-              <a:ext uri="{FF2B5EF4-FFF2-40B4-BE49-F238E27FC236}">
-                <a16:creationId xmlns:a16="http://schemas.microsoft.com/office/drawing/2014/main" id="{0D66C25B-50E1-761B-4DED-F04C5BC31A3B}"/>
-              </a:ext>
-            </a:extLst>
-          </p:cNvPr>
-          <p:cNvSpPr/>
-          <p:nvPr/>
-        </p:nvSpPr>
-        <p:spPr>
-          <a:xfrm>
-            <a:off x="417443" y="3538330"/>
-            <a:ext cx="3289853" cy="2723322"/>
-          </a:xfrm>
-          <a:prstGeom prst="roundRect">
-            <a:avLst/>
-          </a:prstGeom>
-        </p:spPr>
-        <p:style>
-          <a:lnRef idx="2">
-            <a:schemeClr val="accent4">
-              <a:shade val="15000"/>
-            </a:schemeClr>
-          </a:lnRef>
-          <a:fillRef idx="1">
-            <a:schemeClr val="accent4"/>
-          </a:fillRef>
-          <a:effectRef idx="0">
-            <a:schemeClr val="accent4"/>
-          </a:effectRef>
-          <a:fontRef idx="minor">
-            <a:schemeClr val="lt1"/>
-          </a:fontRef>
-        </p:style>
-        <p:txBody>
-          <a:bodyPr rtlCol="0" anchor="ctr"/>
-          <a:lstStyle/>
-          <a:p>
-            <a:pPr algn="ctr"/>
-            <a:r>
-              <a:rPr lang="en-US" dirty="0"/>
-              <a:t>Data Source. </a:t>
-            </a:r>
-          </a:p>
-          <a:p>
-            <a:pPr algn="ctr"/>
-            <a:r>
-              <a:rPr lang="en-US" dirty="0"/>
-              <a:t>The CSV you download. </a:t>
-            </a:r>
-          </a:p>
-          <a:p>
-            <a:pPr algn="ctr"/>
-            <a:r>
-              <a:rPr lang="en-US" dirty="0"/>
-              <a:t>Could be a DB. </a:t>
-            </a:r>
-          </a:p>
-        </p:txBody>
-      </p:sp>
-      <p:sp>
-        <p:nvSpPr>
-          <p:cNvPr id="6" name="Right Arrow 5">
-            <a:extLst>
-              <a:ext uri="{FF2B5EF4-FFF2-40B4-BE49-F238E27FC236}">
-                <a16:creationId xmlns:a16="http://schemas.microsoft.com/office/drawing/2014/main" id="{A79A2C28-D035-D8C4-F0A5-61BF155266EB}"/>
-              </a:ext>
-            </a:extLst>
-          </p:cNvPr>
-          <p:cNvSpPr/>
-          <p:nvPr/>
-        </p:nvSpPr>
-        <p:spPr>
-          <a:xfrm>
-            <a:off x="7464287" y="1262270"/>
-            <a:ext cx="934278" cy="268356"/>
-          </a:xfrm>
-          <a:prstGeom prst="rightArrow">
-            <a:avLst/>
-          </a:prstGeom>
-        </p:spPr>
-        <p:style>
-          <a:lnRef idx="2">
-            <a:schemeClr val="accent1">
-              <a:shade val="15000"/>
-            </a:schemeClr>
-          </a:lnRef>
-          <a:fillRef idx="1">
-            <a:schemeClr val="accent1"/>
-          </a:fillRef>
-          <a:effectRef idx="0">
-            <a:schemeClr val="accent1"/>
-          </a:effectRef>
-          <a:fontRef idx="minor">
-            <a:schemeClr val="lt1"/>
-          </a:fontRef>
-        </p:style>
-        <p:txBody>
-          <a:bodyPr rtlCol="0" anchor="ctr"/>
-          <a:lstStyle/>
-          <a:p>
-            <a:pPr algn="ctr"/>
-            <a:endParaRPr lang="en-US"/>
-          </a:p>
-        </p:txBody>
-      </p:sp>
-      <p:sp>
-        <p:nvSpPr>
-          <p:cNvPr id="7" name="Rectangle 6">
-            <a:extLst>
-              <a:ext uri="{FF2B5EF4-FFF2-40B4-BE49-F238E27FC236}">
-                <a16:creationId xmlns:a16="http://schemas.microsoft.com/office/drawing/2014/main" id="{3B26C4E0-D200-5F6B-3B3F-C18A1AB5DABA}"/>
-              </a:ext>
-            </a:extLst>
-          </p:cNvPr>
-          <p:cNvSpPr/>
-          <p:nvPr/>
-        </p:nvSpPr>
-        <p:spPr>
-          <a:xfrm>
-            <a:off x="8816009" y="208722"/>
-            <a:ext cx="3150704" cy="2226365"/>
-          </a:xfrm>
-          <a:prstGeom prst="rect">
-            <a:avLst/>
-          </a:prstGeom>
-        </p:spPr>
-        <p:style>
-          <a:lnRef idx="2">
-            <a:schemeClr val="accent1">
-              <a:shade val="15000"/>
-            </a:schemeClr>
-          </a:lnRef>
-          <a:fillRef idx="1">
-            <a:schemeClr val="accent1"/>
-          </a:fillRef>
-          <a:effectRef idx="0">
-            <a:schemeClr val="accent1"/>
-          </a:effectRef>
-          <a:fontRef idx="minor">
-            <a:schemeClr val="lt1"/>
-          </a:fontRef>
-        </p:style>
-        <p:txBody>
-          <a:bodyPr rtlCol="0" anchor="ctr"/>
-          <a:lstStyle/>
-          <a:p>
-            <a:pPr algn="ctr"/>
-            <a:r>
-              <a:rPr lang="en-US" dirty="0"/>
-              <a:t>Your file with your super cool and useful sheets, charts, and tables</a:t>
-            </a:r>
-          </a:p>
-        </p:txBody>
-      </p:sp>
-      <p:sp>
-        <p:nvSpPr>
-          <p:cNvPr id="8" name="Right Arrow 7">
-            <a:extLst>
-              <a:ext uri="{FF2B5EF4-FFF2-40B4-BE49-F238E27FC236}">
-                <a16:creationId xmlns:a16="http://schemas.microsoft.com/office/drawing/2014/main" id="{B80FAB3E-2C40-8415-04DD-429079DD82C1}"/>
-              </a:ext>
-            </a:extLst>
-          </p:cNvPr>
-          <p:cNvSpPr/>
-          <p:nvPr/>
-        </p:nvSpPr>
-        <p:spPr>
-          <a:xfrm rot="19403591">
-            <a:off x="2420100" y="2037712"/>
-            <a:ext cx="1786549" cy="1155357"/>
-          </a:xfrm>
-          <a:prstGeom prst="rightArrow">
-            <a:avLst/>
-          </a:prstGeom>
-        </p:spPr>
-        <p:style>
-          <a:lnRef idx="2">
-            <a:schemeClr val="accent1">
-              <a:shade val="15000"/>
-            </a:schemeClr>
-          </a:lnRef>
-          <a:fillRef idx="1">
-            <a:schemeClr val="accent1"/>
-          </a:fillRef>
-          <a:effectRef idx="0">
-            <a:schemeClr val="accent1"/>
-          </a:effectRef>
-          <a:fontRef idx="minor">
-            <a:schemeClr val="lt1"/>
-          </a:fontRef>
-        </p:style>
-        <p:txBody>
-          <a:bodyPr rtlCol="0" anchor="ctr"/>
-          <a:lstStyle/>
-          <a:p>
-            <a:pPr algn="ctr"/>
-            <a:endParaRPr lang="en-US"/>
-          </a:p>
-        </p:txBody>
-      </p:sp>
-      <p:sp>
-        <p:nvSpPr>
-          <p:cNvPr id="9" name="Decision 8">
-            <a:extLst>
-              <a:ext uri="{FF2B5EF4-FFF2-40B4-BE49-F238E27FC236}">
-                <a16:creationId xmlns:a16="http://schemas.microsoft.com/office/drawing/2014/main" id="{EDE08880-9A09-1E06-436D-68C5F81E5850}"/>
-              </a:ext>
-            </a:extLst>
-          </p:cNvPr>
-          <p:cNvSpPr/>
-          <p:nvPr/>
-        </p:nvSpPr>
-        <p:spPr>
-          <a:xfrm>
-            <a:off x="4238368" y="358346"/>
-            <a:ext cx="2866767" cy="1692876"/>
-          </a:xfrm>
-          <a:prstGeom prst="flowChartDecision">
-            <a:avLst/>
-          </a:prstGeom>
-        </p:spPr>
-        <p:style>
-          <a:lnRef idx="2">
-            <a:schemeClr val="accent6">
-              <a:shade val="15000"/>
-            </a:schemeClr>
-          </a:lnRef>
-          <a:fillRef idx="1">
-            <a:schemeClr val="accent6"/>
-          </a:fillRef>
-          <a:effectRef idx="0">
-            <a:schemeClr val="accent6"/>
-          </a:effectRef>
-          <a:fontRef idx="minor">
-            <a:schemeClr val="lt1"/>
-          </a:fontRef>
-        </p:style>
-        <p:txBody>
-          <a:bodyPr rtlCol="0" anchor="ctr"/>
-          <a:lstStyle/>
-          <a:p>
-            <a:pPr algn="ctr"/>
-            <a:r>
-              <a:rPr lang="en-US" dirty="0"/>
-              <a:t>Connection to data. </a:t>
+              <a:t>Data stays in a database where it is, or it stays in a file like it will for us. </a:t>
+            </a:r>
+          </a:p>
+          <a:p>
+            <a:pPr lvl="1"/>
+            <a:r>
+              <a:rPr lang="en-US" dirty="0"/>
+              <a:t>We can grab it and use it remotely in Excel, on the web, in Tableau, in another system…</a:t>
+            </a:r>
+          </a:p>
+          <a:p>
+            <a:r>
+              <a:rPr lang="en-US" dirty="0"/>
+              <a:t>We assume that the data is structured in a datasheet format, allowing us to use those assumptions to handle any data interchangeably. </a:t>
             </a:r>
           </a:p>
         </p:txBody>
@@ -5422,7 +5303,7 @@
     </p:spTree>
     <p:extLst>
       <p:ext uri="{BB962C8B-B14F-4D97-AF65-F5344CB8AC3E}">
-        <p14:creationId xmlns:p14="http://schemas.microsoft.com/office/powerpoint/2010/main" val="3957536900"/>
+        <p14:creationId xmlns:p14="http://schemas.microsoft.com/office/powerpoint/2010/main" val="1567263807"/>
       </p:ext>
     </p:extLst>
   </p:cSld>
@@ -5454,7 +5335,7 @@
           <p:cNvPr id="2" name="Title 1">
             <a:extLst>
               <a:ext uri="{FF2B5EF4-FFF2-40B4-BE49-F238E27FC236}">
-                <a16:creationId xmlns:a16="http://schemas.microsoft.com/office/drawing/2014/main" id="{46CD926D-6421-F3F5-B872-B0F904C93F39}"/>
+                <a16:creationId xmlns:a16="http://schemas.microsoft.com/office/drawing/2014/main" id="{9ED322E6-0B5C-DFF4-17F6-A17E501254AA}"/>
               </a:ext>
             </a:extLst>
           </p:cNvPr>
@@ -5470,10 +5351,7 @@
           <a:bodyPr/>
           <a:lstStyle/>
           <a:p>
-            <a:r>
-              <a:rPr lang="en-US" dirty="0"/>
-              <a:t>Pandas</a:t>
-            </a:r>
+            <a:endParaRPr lang="en-US"/>
           </a:p>
         </p:txBody>
       </p:sp>
@@ -5482,7 +5360,7 @@
           <p:cNvPr id="3" name="Content Placeholder 2">
             <a:extLst>
               <a:ext uri="{FF2B5EF4-FFF2-40B4-BE49-F238E27FC236}">
-                <a16:creationId xmlns:a16="http://schemas.microsoft.com/office/drawing/2014/main" id="{EFAFBAD8-A2A1-0A27-761A-13610C718141}"/>
+                <a16:creationId xmlns:a16="http://schemas.microsoft.com/office/drawing/2014/main" id="{0388649F-6239-5F01-BE46-5EA06F791481}"/>
               </a:ext>
             </a:extLst>
           </p:cNvPr>
@@ -5495,92 +5373,325 @@
         </p:nvSpPr>
         <p:spPr>
           <a:xfrm>
-            <a:off x="1451579" y="2015732"/>
-            <a:ext cx="7000271" cy="4037749"/>
-          </a:xfrm>
-        </p:spPr>
-        <p:txBody>
-          <a:bodyPr/>
-          <a:lstStyle/>
-          <a:p>
-            <a:r>
-              <a:rPr lang="en-US" dirty="0"/>
-              <a:t>Pandas is a library that provides a </a:t>
+            <a:off x="4507537" y="2449551"/>
+            <a:ext cx="7459176" cy="3603930"/>
+          </a:xfrm>
+        </p:spPr>
+        <p:txBody>
+          <a:bodyPr/>
+          <a:lstStyle/>
+          <a:p>
+            <a:r>
+              <a:rPr lang="en-US" dirty="0"/>
+              <a:t>We connect our file to the data that is held elsewhere. </a:t>
+            </a:r>
+          </a:p>
+          <a:p>
+            <a:r>
+              <a:rPr lang="en-US" dirty="0"/>
+              <a:t>That data could be in a CSV, a database, </a:t>
             </a:r>
             <a:r>
               <a:rPr lang="en-US" dirty="0" err="1"/>
-              <a:t>Dataframe</a:t>
-            </a:r>
-            <a:r>
-              <a:rPr lang="en-US" dirty="0"/>
-              <a:t> – roughly a Python spreadsheet. </a:t>
-            </a:r>
-          </a:p>
-          <a:p>
-            <a:r>
-              <a:rPr lang="en-US" dirty="0"/>
-              <a:t>We can manipulate our data largely as we would think about it in Excel, but through code. </a:t>
-            </a:r>
-          </a:p>
-          <a:p>
-            <a:r>
-              <a:rPr lang="en-US" dirty="0"/>
-              <a:t>Maps easily to databases, if we are getting data from them. </a:t>
-            </a:r>
-          </a:p>
-        </p:txBody>
-      </p:sp>
-      <p:pic>
-        <p:nvPicPr>
-          <p:cNvPr id="2050" name="Picture 2" descr="Panda Rapper 🎤🐼 - AI Generated Artwork - NightCafe Creator">
+              <a:t>etc</a:t>
+            </a:r>
+            <a:r>
+              <a:rPr lang="en-US" dirty="0"/>
+              <a:t>…</a:t>
+            </a:r>
+          </a:p>
+          <a:p>
+            <a:r>
+              <a:rPr lang="en-US" dirty="0"/>
+              <a:t>Our stuff is built “on” the data, we don’t have it we just reach out and “grab” it from elsewhere. </a:t>
+            </a:r>
+          </a:p>
+          <a:p>
+            <a:pPr lvl="1"/>
+            <a:r>
+              <a:rPr lang="en-US" dirty="0"/>
+              <a:t>We can use it just like we have been. </a:t>
+            </a:r>
+          </a:p>
+          <a:p>
+            <a:pPr lvl="1"/>
+            <a:r>
+              <a:rPr lang="en-US" dirty="0"/>
+              <a:t>It isn’t actually located in our workbook. </a:t>
+            </a:r>
+          </a:p>
+          <a:p>
+            <a:pPr lvl="1"/>
+            <a:r>
+              <a:rPr lang="en-US" dirty="0"/>
+              <a:t>That data can change on its own, we update from it. </a:t>
+            </a:r>
+          </a:p>
+          <a:p>
+            <a:r>
+              <a:rPr lang="en-US" dirty="0"/>
+              <a:t>This is how most “data tools” work in real usage. </a:t>
+            </a:r>
+          </a:p>
+        </p:txBody>
+      </p:sp>
+      <p:sp>
+        <p:nvSpPr>
+          <p:cNvPr id="5" name="Rounded Rectangle 4">
             <a:extLst>
               <a:ext uri="{FF2B5EF4-FFF2-40B4-BE49-F238E27FC236}">
-                <a16:creationId xmlns:a16="http://schemas.microsoft.com/office/drawing/2014/main" id="{7EB30276-E13F-3EE9-917E-F92CE5AD1547}"/>
+                <a16:creationId xmlns:a16="http://schemas.microsoft.com/office/drawing/2014/main" id="{0D66C25B-50E1-761B-4DED-F04C5BC31A3B}"/>
               </a:ext>
             </a:extLst>
           </p:cNvPr>
-          <p:cNvPicPr>
-            <a:picLocks noChangeAspect="1" noChangeArrowheads="1"/>
-          </p:cNvPicPr>
+          <p:cNvSpPr/>
           <p:nvPr/>
-        </p:nvPicPr>
-        <p:blipFill>
-          <a:blip r:embed="rId2">
+        </p:nvSpPr>
+        <p:spPr>
+          <a:xfrm>
+            <a:off x="417443" y="3538330"/>
+            <a:ext cx="3289853" cy="2723322"/>
+          </a:xfrm>
+          <a:prstGeom prst="roundRect">
+            <a:avLst/>
+          </a:prstGeom>
+        </p:spPr>
+        <p:style>
+          <a:lnRef idx="2">
+            <a:schemeClr val="accent4">
+              <a:shade val="15000"/>
+            </a:schemeClr>
+          </a:lnRef>
+          <a:fillRef idx="1">
+            <a:schemeClr val="accent4"/>
+          </a:fillRef>
+          <a:effectRef idx="0">
+            <a:schemeClr val="accent4"/>
+          </a:effectRef>
+          <a:fontRef idx="minor">
+            <a:schemeClr val="lt1"/>
+          </a:fontRef>
+        </p:style>
+        <p:txBody>
+          <a:bodyPr rtlCol="0" anchor="ctr"/>
+          <a:lstStyle/>
+          <a:p>
+            <a:pPr algn="ctr"/>
+            <a:r>
+              <a:rPr lang="en-US" dirty="0"/>
+              <a:t>Data Source. </a:t>
+            </a:r>
+          </a:p>
+          <a:p>
+            <a:pPr algn="ctr"/>
+            <a:r>
+              <a:rPr lang="en-US" dirty="0"/>
+              <a:t>The CSV you download. </a:t>
+            </a:r>
+          </a:p>
+          <a:p>
+            <a:pPr algn="ctr"/>
+            <a:r>
+              <a:rPr lang="en-US" dirty="0"/>
+              <a:t>Could be a DB. </a:t>
+            </a:r>
+          </a:p>
+        </p:txBody>
+      </p:sp>
+      <p:sp>
+        <p:nvSpPr>
+          <p:cNvPr id="6" name="Right Arrow 5">
             <a:extLst>
-              <a:ext uri="{28A0092B-C50C-407E-A947-70E740481C1C}">
-                <a14:useLocalDpi xmlns:a14="http://schemas.microsoft.com/office/drawing/2010/main" val="0"/>
+              <a:ext uri="{FF2B5EF4-FFF2-40B4-BE49-F238E27FC236}">
+                <a16:creationId xmlns:a16="http://schemas.microsoft.com/office/drawing/2014/main" id="{A79A2C28-D035-D8C4-F0A5-61BF155266EB}"/>
               </a:ext>
             </a:extLst>
-          </a:blip>
-          <a:srcRect/>
-          <a:stretch>
-            <a:fillRect/>
-          </a:stretch>
-        </p:blipFill>
-        <p:spPr bwMode="auto">
-          <a:xfrm>
-            <a:off x="8451850" y="0"/>
-            <a:ext cx="3740150" cy="6858000"/>
+          </p:cNvPr>
+          <p:cNvSpPr/>
+          <p:nvPr/>
+        </p:nvSpPr>
+        <p:spPr>
+          <a:xfrm>
+            <a:off x="7464287" y="1262270"/>
+            <a:ext cx="934278" cy="268356"/>
+          </a:xfrm>
+          <a:prstGeom prst="rightArrow">
+            <a:avLst/>
+          </a:prstGeom>
+        </p:spPr>
+        <p:style>
+          <a:lnRef idx="2">
+            <a:schemeClr val="accent1">
+              <a:shade val="15000"/>
+            </a:schemeClr>
+          </a:lnRef>
+          <a:fillRef idx="1">
+            <a:schemeClr val="accent1"/>
+          </a:fillRef>
+          <a:effectRef idx="0">
+            <a:schemeClr val="accent1"/>
+          </a:effectRef>
+          <a:fontRef idx="minor">
+            <a:schemeClr val="lt1"/>
+          </a:fontRef>
+        </p:style>
+        <p:txBody>
+          <a:bodyPr rtlCol="0" anchor="ctr"/>
+          <a:lstStyle/>
+          <a:p>
+            <a:pPr algn="ctr"/>
+            <a:endParaRPr lang="en-US"/>
+          </a:p>
+        </p:txBody>
+      </p:sp>
+      <p:sp>
+        <p:nvSpPr>
+          <p:cNvPr id="7" name="Rectangle 6">
+            <a:extLst>
+              <a:ext uri="{FF2B5EF4-FFF2-40B4-BE49-F238E27FC236}">
+                <a16:creationId xmlns:a16="http://schemas.microsoft.com/office/drawing/2014/main" id="{3B26C4E0-D200-5F6B-3B3F-C18A1AB5DABA}"/>
+              </a:ext>
+            </a:extLst>
+          </p:cNvPr>
+          <p:cNvSpPr/>
+          <p:nvPr/>
+        </p:nvSpPr>
+        <p:spPr>
+          <a:xfrm>
+            <a:off x="8816009" y="208722"/>
+            <a:ext cx="3150704" cy="2226365"/>
           </a:xfrm>
           <a:prstGeom prst="rect">
             <a:avLst/>
           </a:prstGeom>
-          <a:noFill/>
-          <a:extLst>
-            <a:ext uri="{909E8E84-426E-40DD-AFC4-6F175D3DCCD1}">
-              <a14:hiddenFill xmlns:a14="http://schemas.microsoft.com/office/drawing/2010/main">
-                <a:solidFill>
-                  <a:srgbClr val="FFFFFF"/>
-                </a:solidFill>
-              </a14:hiddenFill>
-            </a:ext>
-          </a:extLst>
-        </p:spPr>
-      </p:pic>
+        </p:spPr>
+        <p:style>
+          <a:lnRef idx="2">
+            <a:schemeClr val="accent1">
+              <a:shade val="15000"/>
+            </a:schemeClr>
+          </a:lnRef>
+          <a:fillRef idx="1">
+            <a:schemeClr val="accent1"/>
+          </a:fillRef>
+          <a:effectRef idx="0">
+            <a:schemeClr val="accent1"/>
+          </a:effectRef>
+          <a:fontRef idx="minor">
+            <a:schemeClr val="lt1"/>
+          </a:fontRef>
+        </p:style>
+        <p:txBody>
+          <a:bodyPr rtlCol="0" anchor="ctr"/>
+          <a:lstStyle/>
+          <a:p>
+            <a:pPr algn="ctr"/>
+            <a:r>
+              <a:rPr lang="en-US" dirty="0"/>
+              <a:t>Your file with your super cool and useful sheets, charts, and tables</a:t>
+            </a:r>
+          </a:p>
+        </p:txBody>
+      </p:sp>
+      <p:sp>
+        <p:nvSpPr>
+          <p:cNvPr id="8" name="Right Arrow 7">
+            <a:extLst>
+              <a:ext uri="{FF2B5EF4-FFF2-40B4-BE49-F238E27FC236}">
+                <a16:creationId xmlns:a16="http://schemas.microsoft.com/office/drawing/2014/main" id="{B80FAB3E-2C40-8415-04DD-429079DD82C1}"/>
+              </a:ext>
+            </a:extLst>
+          </p:cNvPr>
+          <p:cNvSpPr/>
+          <p:nvPr/>
+        </p:nvSpPr>
+        <p:spPr>
+          <a:xfrm rot="19403591">
+            <a:off x="2420100" y="2037712"/>
+            <a:ext cx="1786549" cy="1155357"/>
+          </a:xfrm>
+          <a:prstGeom prst="rightArrow">
+            <a:avLst/>
+          </a:prstGeom>
+        </p:spPr>
+        <p:style>
+          <a:lnRef idx="2">
+            <a:schemeClr val="accent1">
+              <a:shade val="15000"/>
+            </a:schemeClr>
+          </a:lnRef>
+          <a:fillRef idx="1">
+            <a:schemeClr val="accent1"/>
+          </a:fillRef>
+          <a:effectRef idx="0">
+            <a:schemeClr val="accent1"/>
+          </a:effectRef>
+          <a:fontRef idx="minor">
+            <a:schemeClr val="lt1"/>
+          </a:fontRef>
+        </p:style>
+        <p:txBody>
+          <a:bodyPr rtlCol="0" anchor="ctr"/>
+          <a:lstStyle/>
+          <a:p>
+            <a:pPr algn="ctr"/>
+            <a:endParaRPr lang="en-US"/>
+          </a:p>
+        </p:txBody>
+      </p:sp>
+      <p:sp>
+        <p:nvSpPr>
+          <p:cNvPr id="9" name="Decision 8">
+            <a:extLst>
+              <a:ext uri="{FF2B5EF4-FFF2-40B4-BE49-F238E27FC236}">
+                <a16:creationId xmlns:a16="http://schemas.microsoft.com/office/drawing/2014/main" id="{EDE08880-9A09-1E06-436D-68C5F81E5850}"/>
+              </a:ext>
+            </a:extLst>
+          </p:cNvPr>
+          <p:cNvSpPr/>
+          <p:nvPr/>
+        </p:nvSpPr>
+        <p:spPr>
+          <a:xfrm>
+            <a:off x="4238368" y="358346"/>
+            <a:ext cx="2866767" cy="1692876"/>
+          </a:xfrm>
+          <a:prstGeom prst="flowChartDecision">
+            <a:avLst/>
+          </a:prstGeom>
+        </p:spPr>
+        <p:style>
+          <a:lnRef idx="2">
+            <a:schemeClr val="accent6">
+              <a:shade val="15000"/>
+            </a:schemeClr>
+          </a:lnRef>
+          <a:fillRef idx="1">
+            <a:schemeClr val="accent6"/>
+          </a:fillRef>
+          <a:effectRef idx="0">
+            <a:schemeClr val="accent6"/>
+          </a:effectRef>
+          <a:fontRef idx="minor">
+            <a:schemeClr val="lt1"/>
+          </a:fontRef>
+        </p:style>
+        <p:txBody>
+          <a:bodyPr rtlCol="0" anchor="ctr"/>
+          <a:lstStyle/>
+          <a:p>
+            <a:pPr algn="ctr"/>
+            <a:r>
+              <a:rPr lang="en-US" dirty="0"/>
+              <a:t>Connection to data. </a:t>
+            </a:r>
+          </a:p>
+        </p:txBody>
+      </p:sp>
     </p:spTree>
     <p:extLst>
       <p:ext uri="{BB962C8B-B14F-4D97-AF65-F5344CB8AC3E}">
-        <p14:creationId xmlns:p14="http://schemas.microsoft.com/office/powerpoint/2010/main" val="3233503731"/>
+        <p14:creationId xmlns:p14="http://schemas.microsoft.com/office/powerpoint/2010/main" val="3957536900"/>
       </p:ext>
     </p:extLst>
   </p:cSld>

--- a/course_resources/slides/Used/005_Pandas_Datasheet.pptx
+++ b/course_resources/slides/Used/005_Pandas_Datasheet.pptx
@@ -3674,10 +3674,44 @@
             <p:ph idx="1"/>
           </p:nvPr>
         </p:nvSpPr>
-        <p:spPr/>
-        <p:txBody>
-          <a:bodyPr/>
-          <a:lstStyle/>
+        <p:spPr>
+          <a:xfrm>
+            <a:off x="1451579" y="2015732"/>
+            <a:ext cx="9603275" cy="3957685"/>
+          </a:xfrm>
+        </p:spPr>
+        <p:txBody>
+          <a:bodyPr>
+            <a:normAutofit/>
+          </a:bodyPr>
+          <a:lstStyle/>
+          <a:p>
+            <a:r>
+              <a:rPr lang="en-US" dirty="0"/>
+              <a:t>Questions:</a:t>
+            </a:r>
+          </a:p>
+          <a:p>
+            <a:pPr lvl="1"/>
+            <a:r>
+              <a:rPr lang="en-US" dirty="0"/>
+              <a:t>From others asking:</a:t>
+            </a:r>
+          </a:p>
+          <a:p>
+            <a:pPr lvl="2"/>
+            <a:r>
+              <a:rPr lang="en-US" dirty="0"/>
+              <a:t>Break problems into individual smaller tasks. </a:t>
+            </a:r>
+          </a:p>
+          <a:p>
+            <a:pPr lvl="2"/>
+            <a:r>
+              <a:rPr lang="en-US" dirty="0"/>
+              <a:t>Print “what happened” (e.g. variable values) after each line if needed. </a:t>
+            </a:r>
+          </a:p>
           <a:p>
             <a:r>
               <a:rPr lang="en-US" dirty="0"/>
@@ -3709,11 +3743,7 @@
             <a:pPr lvl="1"/>
             <a:r>
               <a:rPr lang="en-US" dirty="0"/>
-              <a:t>Slicing </a:t>
-            </a:r>
-            <a:r>
-              <a:rPr lang="en-US"/>
-              <a:t>and dicing data. </a:t>
+              <a:t>Slicing and dicing data. </a:t>
             </a:r>
           </a:p>
         </p:txBody>

--- a/course_resources/slides/Used/005_Pandas_Datasheet.pptx
+++ b/course_resources/slides/Used/005_Pandas_Datasheet.pptx
@@ -3654,7 +3654,10 @@
           <a:bodyPr/>
           <a:lstStyle/>
           <a:p>
-            <a:endParaRPr lang="en-US" dirty="0"/>
+            <a:r>
+              <a:rPr lang="en-US" dirty="0"/>
+              <a:t>Housekeeping</a:t>
+            </a:r>
           </a:p>
         </p:txBody>
       </p:sp>
@@ -3709,7 +3712,7 @@
             <a:pPr lvl="2"/>
             <a:r>
               <a:rPr lang="en-US" dirty="0"/>
-              <a:t>Print “what happened” (e.g. variable values) after each line if needed. </a:t>
+              <a:t>Print “what happened” (e.g. variable values) after each line if needed. (Read something, print it; change a variable, print it; calculate something, print it…)</a:t>
             </a:r>
           </a:p>
           <a:p>
